--- a/report/figures/Presentation2.pptx
+++ b/report/figures/Presentation2.pptx
@@ -104,6 +104,11 @@
       </a:defRPr>
     </a:lvl9pPr>
   </p:defaultTextStyle>
+  <p:extLst>
+    <p:ext uri="{EFAFB233-063F-42B5-8137-9DF3F51BA10A}">
+      <p15:sldGuideLst xmlns:p15="http://schemas.microsoft.com/office/powerpoint/2012/main"/>
+    </p:ext>
+  </p:extLst>
 </p:presentation>
 </file>
 
@@ -238,7 +243,7 @@
           <a:p>
             <a:fld id="{C28670A6-4344-0C40-BF40-AC263F99934D}" type="datetimeFigureOut">
               <a:rPr lang="en-US" smtClean="0"/>
-              <a:t>5/26/24</a:t>
+              <a:t>6/1/24</a:t>
             </a:fld>
             <a:endParaRPr lang="en-US"/>
           </a:p>
@@ -408,7 +413,7 @@
           <a:p>
             <a:fld id="{C28670A6-4344-0C40-BF40-AC263F99934D}" type="datetimeFigureOut">
               <a:rPr lang="en-US" smtClean="0"/>
-              <a:t>5/26/24</a:t>
+              <a:t>6/1/24</a:t>
             </a:fld>
             <a:endParaRPr lang="en-US"/>
           </a:p>
@@ -588,7 +593,7 @@
           <a:p>
             <a:fld id="{C28670A6-4344-0C40-BF40-AC263F99934D}" type="datetimeFigureOut">
               <a:rPr lang="en-US" smtClean="0"/>
-              <a:t>5/26/24</a:t>
+              <a:t>6/1/24</a:t>
             </a:fld>
             <a:endParaRPr lang="en-US"/>
           </a:p>
@@ -758,7 +763,7 @@
           <a:p>
             <a:fld id="{C28670A6-4344-0C40-BF40-AC263F99934D}" type="datetimeFigureOut">
               <a:rPr lang="en-US" smtClean="0"/>
-              <a:t>5/26/24</a:t>
+              <a:t>6/1/24</a:t>
             </a:fld>
             <a:endParaRPr lang="en-US"/>
           </a:p>
@@ -1002,7 +1007,7 @@
           <a:p>
             <a:fld id="{C28670A6-4344-0C40-BF40-AC263F99934D}" type="datetimeFigureOut">
               <a:rPr lang="en-US" smtClean="0"/>
-              <a:t>5/26/24</a:t>
+              <a:t>6/1/24</a:t>
             </a:fld>
             <a:endParaRPr lang="en-US"/>
           </a:p>
@@ -1234,7 +1239,7 @@
           <a:p>
             <a:fld id="{C28670A6-4344-0C40-BF40-AC263F99934D}" type="datetimeFigureOut">
               <a:rPr lang="en-US" smtClean="0"/>
-              <a:t>5/26/24</a:t>
+              <a:t>6/1/24</a:t>
             </a:fld>
             <a:endParaRPr lang="en-US"/>
           </a:p>
@@ -1601,7 +1606,7 @@
           <a:p>
             <a:fld id="{C28670A6-4344-0C40-BF40-AC263F99934D}" type="datetimeFigureOut">
               <a:rPr lang="en-US" smtClean="0"/>
-              <a:t>5/26/24</a:t>
+              <a:t>6/1/24</a:t>
             </a:fld>
             <a:endParaRPr lang="en-US"/>
           </a:p>
@@ -1719,7 +1724,7 @@
           <a:p>
             <a:fld id="{C28670A6-4344-0C40-BF40-AC263F99934D}" type="datetimeFigureOut">
               <a:rPr lang="en-US" smtClean="0"/>
-              <a:t>5/26/24</a:t>
+              <a:t>6/1/24</a:t>
             </a:fld>
             <a:endParaRPr lang="en-US"/>
           </a:p>
@@ -1814,7 +1819,7 @@
           <a:p>
             <a:fld id="{C28670A6-4344-0C40-BF40-AC263F99934D}" type="datetimeFigureOut">
               <a:rPr lang="en-US" smtClean="0"/>
-              <a:t>5/26/24</a:t>
+              <a:t>6/1/24</a:t>
             </a:fld>
             <a:endParaRPr lang="en-US"/>
           </a:p>
@@ -2091,7 +2096,7 @@
           <a:p>
             <a:fld id="{C28670A6-4344-0C40-BF40-AC263F99934D}" type="datetimeFigureOut">
               <a:rPr lang="en-US" smtClean="0"/>
-              <a:t>5/26/24</a:t>
+              <a:t>6/1/24</a:t>
             </a:fld>
             <a:endParaRPr lang="en-US"/>
           </a:p>
@@ -2348,7 +2353,7 @@
           <a:p>
             <a:fld id="{C28670A6-4344-0C40-BF40-AC263F99934D}" type="datetimeFigureOut">
               <a:rPr lang="en-US" smtClean="0"/>
-              <a:t>5/26/24</a:t>
+              <a:t>6/1/24</a:t>
             </a:fld>
             <a:endParaRPr lang="en-US"/>
           </a:p>
@@ -2561,7 +2566,7 @@
           <a:p>
             <a:fld id="{C28670A6-4344-0C40-BF40-AC263F99934D}" type="datetimeFigureOut">
               <a:rPr lang="en-US" smtClean="0"/>
-              <a:t>5/26/24</a:t>
+              <a:t>6/1/24</a:t>
             </a:fld>
             <a:endParaRPr lang="en-US"/>
           </a:p>
@@ -3026,6 +3031,86 @@
           </a:prstGeom>
         </p:spPr>
       </p:pic>
+      <p:sp>
+        <p:nvSpPr>
+          <p:cNvPr id="2" name="TextBox 1">
+            <a:extLst>
+              <a:ext uri="{FF2B5EF4-FFF2-40B4-BE49-F238E27FC236}">
+                <a16:creationId xmlns:a16="http://schemas.microsoft.com/office/drawing/2014/main" id="{3383AFB6-F0C2-2ACF-9053-14ACB9074E8B}"/>
+              </a:ext>
+            </a:extLst>
+          </p:cNvPr>
+          <p:cNvSpPr txBox="1"/>
+          <p:nvPr/>
+        </p:nvSpPr>
+        <p:spPr>
+          <a:xfrm>
+            <a:off x="1856232" y="170792"/>
+            <a:ext cx="3171061" cy="246221"/>
+          </a:xfrm>
+          <a:prstGeom prst="rect">
+            <a:avLst/>
+          </a:prstGeom>
+          <a:solidFill>
+            <a:schemeClr val="bg1"/>
+          </a:solidFill>
+        </p:spPr>
+        <p:txBody>
+          <a:bodyPr wrap="none" rtlCol="0">
+            <a:spAutoFit/>
+          </a:bodyPr>
+          <a:lstStyle/>
+          <a:p>
+            <a:r>
+              <a:rPr lang="en-US" sz="1000" b="1" dirty="0">
+                <a:latin typeface="Arial" panose="020B0604020202020204" pitchFamily="34" charset="0"/>
+                <a:cs typeface="Arial" panose="020B0604020202020204" pitchFamily="34" charset="0"/>
+              </a:rPr>
+              <a:t>CASE: ERA5 WITH WAVE (27-Aug-2011 23:00:00)</a:t>
+            </a:r>
+          </a:p>
+        </p:txBody>
+      </p:sp>
+      <p:sp>
+        <p:nvSpPr>
+          <p:cNvPr id="3" name="TextBox 2">
+            <a:extLst>
+              <a:ext uri="{FF2B5EF4-FFF2-40B4-BE49-F238E27FC236}">
+                <a16:creationId xmlns:a16="http://schemas.microsoft.com/office/drawing/2014/main" id="{9F8C7F2A-B050-23F0-EA16-8D797364C895}"/>
+              </a:ext>
+            </a:extLst>
+          </p:cNvPr>
+          <p:cNvSpPr txBox="1"/>
+          <p:nvPr/>
+        </p:nvSpPr>
+        <p:spPr>
+          <a:xfrm>
+            <a:off x="1737359" y="4008016"/>
+            <a:ext cx="3441968" cy="246221"/>
+          </a:xfrm>
+          <a:prstGeom prst="rect">
+            <a:avLst/>
+          </a:prstGeom>
+          <a:solidFill>
+            <a:schemeClr val="bg1"/>
+          </a:solidFill>
+        </p:spPr>
+        <p:txBody>
+          <a:bodyPr wrap="none" rtlCol="0">
+            <a:spAutoFit/>
+          </a:bodyPr>
+          <a:lstStyle/>
+          <a:p>
+            <a:r>
+              <a:rPr lang="en-US" sz="1000" b="1" dirty="0">
+                <a:latin typeface="Arial" panose="020B0604020202020204" pitchFamily="34" charset="0"/>
+                <a:cs typeface="Arial" panose="020B0604020202020204" pitchFamily="34" charset="0"/>
+              </a:rPr>
+              <a:t>CASE: ERA5 WITHOUT WAVE (27-Aug-2011 23:00:00)</a:t>
+            </a:r>
+          </a:p>
+        </p:txBody>
+      </p:sp>
     </p:spTree>
     <p:extLst>
       <p:ext uri="{BB962C8B-B14F-4D97-AF65-F5344CB8AC3E}">
